--- a/TextClassification/doc/TextClassification.pptx
+++ b/TextClassification/doc/TextClassification.pptx
@@ -552,11 +552,11 @@
         </c:dLbls>
         <c:gapWidth val="100"/>
         <c:overlap val="-24"/>
-        <c:axId val="757354048"/>
-        <c:axId val="757356224"/>
+        <c:axId val="-1407776544"/>
+        <c:axId val="-1407775456"/>
       </c:barChart>
       <c:catAx>
-        <c:axId val="757354048"/>
+        <c:axId val="-1407776544"/>
         <c:scaling>
           <c:orientation val="minMax"/>
         </c:scaling>
@@ -599,7 +599,7 @@
             <a:endParaRPr lang="de-DE"/>
           </a:p>
         </c:txPr>
-        <c:crossAx val="757356224"/>
+        <c:crossAx val="-1407775456"/>
         <c:crosses val="autoZero"/>
         <c:auto val="1"/>
         <c:lblAlgn val="ctr"/>
@@ -607,7 +607,7 @@
         <c:noMultiLvlLbl val="0"/>
       </c:catAx>
       <c:valAx>
-        <c:axId val="757356224"/>
+        <c:axId val="-1407775456"/>
         <c:scaling>
           <c:orientation val="minMax"/>
         </c:scaling>
@@ -626,7 +626,7 @@
         <c:majorTickMark val="none"/>
         <c:minorTickMark val="none"/>
         <c:tickLblPos val="nextTo"/>
-        <c:crossAx val="757354048"/>
+        <c:crossAx val="-1407776544"/>
         <c:crosses val="autoZero"/>
         <c:crossBetween val="between"/>
       </c:valAx>
@@ -1246,8 +1246,8 @@
           <c:showBubbleSize val="0"/>
         </c:dLbls>
         <c:smooth val="0"/>
-        <c:axId val="1136859152"/>
-        <c:axId val="1136847728"/>
+        <c:axId val="-1407766208"/>
+        <c:axId val="-1407777632"/>
         <c:extLst>
           <c:ext xmlns:c15="http://schemas.microsoft.com/office/drawing/2012/chart" uri="{02D57815-91ED-43cb-92C2-25804820EDAC}">
             <c15:filteredLineSeries>
@@ -1448,7 +1448,7 @@
                 <c:order val="1"/>
                 <c:tx>
                   <c:strRef>
-                    <c:extLst>
+                    <c:extLst xmlns:c15="http://schemas.microsoft.com/office/drawing/2012/chart">
                       <c:ext xmlns:c15="http://schemas.microsoft.com/office/drawing/2012/chart" uri="{02D57815-91ED-43cb-92C2-25804820EDAC}">
                         <c15:formulaRef>
                           <c15:sqref>Tabelle1!$C$1</c15:sqref>
@@ -1477,7 +1477,7 @@
                 </c:marker>
                 <c:cat>
                   <c:numRef>
-                    <c:extLst>
+                    <c:extLst xmlns:c15="http://schemas.microsoft.com/office/drawing/2012/chart">
                       <c:ext xmlns:c15="http://schemas.microsoft.com/office/drawing/2012/chart" uri="{02D57815-91ED-43cb-92C2-25804820EDAC}">
                         <c15:formulaRef>
                           <c15:sqref>Tabelle1!$A$2:$A$22</c15:sqref>
@@ -1555,7 +1555,7 @@
                 </c:cat>
                 <c:val>
                   <c:numRef>
-                    <c:extLst>
+                    <c:extLst xmlns:c15="http://schemas.microsoft.com/office/drawing/2012/chart">
                       <c:ext xmlns:c15="http://schemas.microsoft.com/office/drawing/2012/chart" uri="{02D57815-91ED-43cb-92C2-25804820EDAC}">
                         <c15:formulaRef>
                           <c15:sqref>Tabelle1!$C$2:$C$22</c15:sqref>
@@ -1640,7 +1640,7 @@
                 <c:order val="2"/>
                 <c:tx>
                   <c:strRef>
-                    <c:extLst>
+                    <c:extLst xmlns:c15="http://schemas.microsoft.com/office/drawing/2012/chart">
                       <c:ext xmlns:c15="http://schemas.microsoft.com/office/drawing/2012/chart" uri="{02D57815-91ED-43cb-92C2-25804820EDAC}">
                         <c15:formulaRef>
                           <c15:sqref>Tabelle1!$D$1</c15:sqref>
@@ -1669,7 +1669,7 @@
                 </c:marker>
                 <c:cat>
                   <c:numRef>
-                    <c:extLst>
+                    <c:extLst xmlns:c15="http://schemas.microsoft.com/office/drawing/2012/chart">
                       <c:ext xmlns:c15="http://schemas.microsoft.com/office/drawing/2012/chart" uri="{02D57815-91ED-43cb-92C2-25804820EDAC}">
                         <c15:formulaRef>
                           <c15:sqref>Tabelle1!$A$2:$A$22</c15:sqref>
@@ -1747,7 +1747,7 @@
                 </c:cat>
                 <c:val>
                   <c:numRef>
-                    <c:extLst>
+                    <c:extLst xmlns:c15="http://schemas.microsoft.com/office/drawing/2012/chart">
                       <c:ext xmlns:c15="http://schemas.microsoft.com/office/drawing/2012/chart" uri="{02D57815-91ED-43cb-92C2-25804820EDAC}">
                         <c15:formulaRef>
                           <c15:sqref>Tabelle1!$D$2:$D$22</c15:sqref>
@@ -1832,7 +1832,7 @@
                 <c:order val="4"/>
                 <c:tx>
                   <c:strRef>
-                    <c:extLst>
+                    <c:extLst xmlns:c15="http://schemas.microsoft.com/office/drawing/2012/chart">
                       <c:ext xmlns:c15="http://schemas.microsoft.com/office/drawing/2012/chart" uri="{02D57815-91ED-43cb-92C2-25804820EDAC}">
                         <c15:formulaRef>
                           <c15:sqref>Tabelle1!$F$1</c15:sqref>
@@ -1861,7 +1861,7 @@
                 </c:marker>
                 <c:cat>
                   <c:numRef>
-                    <c:extLst>
+                    <c:extLst xmlns:c15="http://schemas.microsoft.com/office/drawing/2012/chart">
                       <c:ext xmlns:c15="http://schemas.microsoft.com/office/drawing/2012/chart" uri="{02D57815-91ED-43cb-92C2-25804820EDAC}">
                         <c15:formulaRef>
                           <c15:sqref>Tabelle1!$A$2:$A$22</c15:sqref>
@@ -1939,7 +1939,7 @@
                 </c:cat>
                 <c:val>
                   <c:numRef>
-                    <c:extLst>
+                    <c:extLst xmlns:c15="http://schemas.microsoft.com/office/drawing/2012/chart">
                       <c:ext xmlns:c15="http://schemas.microsoft.com/office/drawing/2012/chart" uri="{02D57815-91ED-43cb-92C2-25804820EDAC}">
                         <c15:formulaRef>
                           <c15:sqref>Tabelle1!$F$2:$F$22</c15:sqref>
@@ -2024,7 +2024,7 @@
                 <c:order val="5"/>
                 <c:tx>
                   <c:strRef>
-                    <c:extLst>
+                    <c:extLst xmlns:c15="http://schemas.microsoft.com/office/drawing/2012/chart">
                       <c:ext xmlns:c15="http://schemas.microsoft.com/office/drawing/2012/chart" uri="{02D57815-91ED-43cb-92C2-25804820EDAC}">
                         <c15:formulaRef>
                           <c15:sqref>Tabelle1!$G$1</c15:sqref>
@@ -2053,7 +2053,7 @@
                 </c:marker>
                 <c:cat>
                   <c:numRef>
-                    <c:extLst>
+                    <c:extLst xmlns:c15="http://schemas.microsoft.com/office/drawing/2012/chart">
                       <c:ext xmlns:c15="http://schemas.microsoft.com/office/drawing/2012/chart" uri="{02D57815-91ED-43cb-92C2-25804820EDAC}">
                         <c15:formulaRef>
                           <c15:sqref>Tabelle1!$A$2:$A$22</c15:sqref>
@@ -2131,7 +2131,7 @@
                 </c:cat>
                 <c:val>
                   <c:numRef>
-                    <c:extLst>
+                    <c:extLst xmlns:c15="http://schemas.microsoft.com/office/drawing/2012/chart">
                       <c:ext xmlns:c15="http://schemas.microsoft.com/office/drawing/2012/chart" uri="{02D57815-91ED-43cb-92C2-25804820EDAC}">
                         <c15:formulaRef>
                           <c15:sqref>Tabelle1!$G$2:$G$22</c15:sqref>
@@ -2216,7 +2216,7 @@
                 <c:order val="6"/>
                 <c:tx>
                   <c:strRef>
-                    <c:extLst>
+                    <c:extLst xmlns:c15="http://schemas.microsoft.com/office/drawing/2012/chart">
                       <c:ext xmlns:c15="http://schemas.microsoft.com/office/drawing/2012/chart" uri="{02D57815-91ED-43cb-92C2-25804820EDAC}">
                         <c15:formulaRef>
                           <c15:sqref>Tabelle1!$H$1</c15:sqref>
@@ -2247,7 +2247,7 @@
                 </c:marker>
                 <c:cat>
                   <c:numRef>
-                    <c:extLst>
+                    <c:extLst xmlns:c15="http://schemas.microsoft.com/office/drawing/2012/chart">
                       <c:ext xmlns:c15="http://schemas.microsoft.com/office/drawing/2012/chart" uri="{02D57815-91ED-43cb-92C2-25804820EDAC}">
                         <c15:formulaRef>
                           <c15:sqref>Tabelle1!$A$2:$A$22</c15:sqref>
@@ -2325,7 +2325,7 @@
                 </c:cat>
                 <c:val>
                   <c:numRef>
-                    <c:extLst>
+                    <c:extLst xmlns:c15="http://schemas.microsoft.com/office/drawing/2012/chart">
                       <c:ext xmlns:c15="http://schemas.microsoft.com/office/drawing/2012/chart" uri="{02D57815-91ED-43cb-92C2-25804820EDAC}">
                         <c15:formulaRef>
                           <c15:sqref>Tabelle1!$H$2:$H$22</c15:sqref>
@@ -2410,7 +2410,7 @@
                 <c:order val="8"/>
                 <c:tx>
                   <c:strRef>
-                    <c:extLst>
+                    <c:extLst xmlns:c15="http://schemas.microsoft.com/office/drawing/2012/chart">
                       <c:ext xmlns:c15="http://schemas.microsoft.com/office/drawing/2012/chart" uri="{02D57815-91ED-43cb-92C2-25804820EDAC}">
                         <c15:formulaRef>
                           <c15:sqref>Tabelle1!$J$1</c15:sqref>
@@ -2441,7 +2441,7 @@
                 </c:marker>
                 <c:cat>
                   <c:numRef>
-                    <c:extLst>
+                    <c:extLst xmlns:c15="http://schemas.microsoft.com/office/drawing/2012/chart">
                       <c:ext xmlns:c15="http://schemas.microsoft.com/office/drawing/2012/chart" uri="{02D57815-91ED-43cb-92C2-25804820EDAC}">
                         <c15:formulaRef>
                           <c15:sqref>Tabelle1!$A$2:$A$22</c15:sqref>
@@ -2519,7 +2519,7 @@
                 </c:cat>
                 <c:val>
                   <c:numRef>
-                    <c:extLst>
+                    <c:extLst xmlns:c15="http://schemas.microsoft.com/office/drawing/2012/chart">
                       <c:ext xmlns:c15="http://schemas.microsoft.com/office/drawing/2012/chart" uri="{02D57815-91ED-43cb-92C2-25804820EDAC}">
                         <c15:formulaRef>
                           <c15:sqref>Tabelle1!$J$2:$J$22</c15:sqref>
@@ -2602,7 +2602,7 @@
         </c:extLst>
       </c:lineChart>
       <c:catAx>
-        <c:axId val="1136859152"/>
+        <c:axId val="-1407766208"/>
         <c:scaling>
           <c:orientation val="minMax"/>
         </c:scaling>
@@ -2642,7 +2642,7 @@
             <a:endParaRPr lang="de-DE"/>
           </a:p>
         </c:txPr>
-        <c:crossAx val="1136847728"/>
+        <c:crossAx val="-1407777632"/>
         <c:crosses val="autoZero"/>
         <c:auto val="1"/>
         <c:lblAlgn val="ctr"/>
@@ -2650,7 +2650,7 @@
         <c:noMultiLvlLbl val="0"/>
       </c:catAx>
       <c:valAx>
-        <c:axId val="1136847728"/>
+        <c:axId val="-1407777632"/>
         <c:scaling>
           <c:orientation val="minMax"/>
         </c:scaling>
@@ -2698,7 +2698,7 @@
             <a:endParaRPr lang="de-DE"/>
           </a:p>
         </c:txPr>
-        <c:crossAx val="1136859152"/>
+        <c:crossAx val="-1407766208"/>
         <c:crosses val="autoZero"/>
         <c:crossBetween val="between"/>
       </c:valAx>
@@ -3342,8 +3342,8 @@
           <c:showBubbleSize val="0"/>
         </c:dLbls>
         <c:smooth val="0"/>
-        <c:axId val="1173856608"/>
-        <c:axId val="1173853344"/>
+        <c:axId val="-1407778176"/>
+        <c:axId val="-1407772192"/>
         <c:extLst>
           <c:ext xmlns:c15="http://schemas.microsoft.com/office/drawing/2012/chart" uri="{02D57815-91ED-43cb-92C2-25804820EDAC}">
             <c15:filteredLineSeries>
@@ -3544,7 +3544,7 @@
                 <c:order val="1"/>
                 <c:tx>
                   <c:strRef>
-                    <c:extLst>
+                    <c:extLst xmlns:c15="http://schemas.microsoft.com/office/drawing/2012/chart">
                       <c:ext xmlns:c15="http://schemas.microsoft.com/office/drawing/2012/chart" uri="{02D57815-91ED-43cb-92C2-25804820EDAC}">
                         <c15:formulaRef>
                           <c15:sqref>Tabelle1!$C$1</c15:sqref>
@@ -3573,7 +3573,7 @@
                 </c:marker>
                 <c:cat>
                   <c:numRef>
-                    <c:extLst>
+                    <c:extLst xmlns:c15="http://schemas.microsoft.com/office/drawing/2012/chart">
                       <c:ext xmlns:c15="http://schemas.microsoft.com/office/drawing/2012/chart" uri="{02D57815-91ED-43cb-92C2-25804820EDAC}">
                         <c15:formulaRef>
                           <c15:sqref>Tabelle1!$A$2:$A$22</c15:sqref>
@@ -3651,7 +3651,7 @@
                 </c:cat>
                 <c:val>
                   <c:numRef>
-                    <c:extLst>
+                    <c:extLst xmlns:c15="http://schemas.microsoft.com/office/drawing/2012/chart">
                       <c:ext xmlns:c15="http://schemas.microsoft.com/office/drawing/2012/chart" uri="{02D57815-91ED-43cb-92C2-25804820EDAC}">
                         <c15:formulaRef>
                           <c15:sqref>Tabelle1!$C$2:$C$22</c15:sqref>
@@ -3736,7 +3736,7 @@
                 <c:order val="2"/>
                 <c:tx>
                   <c:strRef>
-                    <c:extLst>
+                    <c:extLst xmlns:c15="http://schemas.microsoft.com/office/drawing/2012/chart">
                       <c:ext xmlns:c15="http://schemas.microsoft.com/office/drawing/2012/chart" uri="{02D57815-91ED-43cb-92C2-25804820EDAC}">
                         <c15:formulaRef>
                           <c15:sqref>Tabelle1!$D$1</c15:sqref>
@@ -3765,7 +3765,7 @@
                 </c:marker>
                 <c:cat>
                   <c:numRef>
-                    <c:extLst>
+                    <c:extLst xmlns:c15="http://schemas.microsoft.com/office/drawing/2012/chart">
                       <c:ext xmlns:c15="http://schemas.microsoft.com/office/drawing/2012/chart" uri="{02D57815-91ED-43cb-92C2-25804820EDAC}">
                         <c15:formulaRef>
                           <c15:sqref>Tabelle1!$A$2:$A$22</c15:sqref>
@@ -3843,7 +3843,7 @@
                 </c:cat>
                 <c:val>
                   <c:numRef>
-                    <c:extLst>
+                    <c:extLst xmlns:c15="http://schemas.microsoft.com/office/drawing/2012/chart">
                       <c:ext xmlns:c15="http://schemas.microsoft.com/office/drawing/2012/chart" uri="{02D57815-91ED-43cb-92C2-25804820EDAC}">
                         <c15:formulaRef>
                           <c15:sqref>Tabelle1!$D$2:$D$22</c15:sqref>
@@ -3928,7 +3928,7 @@
                 <c:order val="4"/>
                 <c:tx>
                   <c:strRef>
-                    <c:extLst>
+                    <c:extLst xmlns:c15="http://schemas.microsoft.com/office/drawing/2012/chart">
                       <c:ext xmlns:c15="http://schemas.microsoft.com/office/drawing/2012/chart" uri="{02D57815-91ED-43cb-92C2-25804820EDAC}">
                         <c15:formulaRef>
                           <c15:sqref>Tabelle1!$F$1</c15:sqref>
@@ -3957,7 +3957,7 @@
                 </c:marker>
                 <c:cat>
                   <c:numRef>
-                    <c:extLst>
+                    <c:extLst xmlns:c15="http://schemas.microsoft.com/office/drawing/2012/chart">
                       <c:ext xmlns:c15="http://schemas.microsoft.com/office/drawing/2012/chart" uri="{02D57815-91ED-43cb-92C2-25804820EDAC}">
                         <c15:formulaRef>
                           <c15:sqref>Tabelle1!$A$2:$A$22</c15:sqref>
@@ -4035,7 +4035,7 @@
                 </c:cat>
                 <c:val>
                   <c:numRef>
-                    <c:extLst>
+                    <c:extLst xmlns:c15="http://schemas.microsoft.com/office/drawing/2012/chart">
                       <c:ext xmlns:c15="http://schemas.microsoft.com/office/drawing/2012/chart" uri="{02D57815-91ED-43cb-92C2-25804820EDAC}">
                         <c15:formulaRef>
                           <c15:sqref>Tabelle1!$F$2:$F$22</c15:sqref>
@@ -4120,7 +4120,7 @@
                 <c:order val="5"/>
                 <c:tx>
                   <c:strRef>
-                    <c:extLst>
+                    <c:extLst xmlns:c15="http://schemas.microsoft.com/office/drawing/2012/chart">
                       <c:ext xmlns:c15="http://schemas.microsoft.com/office/drawing/2012/chart" uri="{02D57815-91ED-43cb-92C2-25804820EDAC}">
                         <c15:formulaRef>
                           <c15:sqref>Tabelle1!$G$1</c15:sqref>
@@ -4149,7 +4149,7 @@
                 </c:marker>
                 <c:cat>
                   <c:numRef>
-                    <c:extLst>
+                    <c:extLst xmlns:c15="http://schemas.microsoft.com/office/drawing/2012/chart">
                       <c:ext xmlns:c15="http://schemas.microsoft.com/office/drawing/2012/chart" uri="{02D57815-91ED-43cb-92C2-25804820EDAC}">
                         <c15:formulaRef>
                           <c15:sqref>Tabelle1!$A$2:$A$22</c15:sqref>
@@ -4227,7 +4227,7 @@
                 </c:cat>
                 <c:val>
                   <c:numRef>
-                    <c:extLst>
+                    <c:extLst xmlns:c15="http://schemas.microsoft.com/office/drawing/2012/chart">
                       <c:ext xmlns:c15="http://schemas.microsoft.com/office/drawing/2012/chart" uri="{02D57815-91ED-43cb-92C2-25804820EDAC}">
                         <c15:formulaRef>
                           <c15:sqref>Tabelle1!$G$2:$G$22</c15:sqref>
@@ -4312,7 +4312,7 @@
                 <c:order val="6"/>
                 <c:tx>
                   <c:strRef>
-                    <c:extLst>
+                    <c:extLst xmlns:c15="http://schemas.microsoft.com/office/drawing/2012/chart">
                       <c:ext xmlns:c15="http://schemas.microsoft.com/office/drawing/2012/chart" uri="{02D57815-91ED-43cb-92C2-25804820EDAC}">
                         <c15:formulaRef>
                           <c15:sqref>Tabelle1!$H$1</c15:sqref>
@@ -4343,7 +4343,7 @@
                 </c:marker>
                 <c:cat>
                   <c:numRef>
-                    <c:extLst>
+                    <c:extLst xmlns:c15="http://schemas.microsoft.com/office/drawing/2012/chart">
                       <c:ext xmlns:c15="http://schemas.microsoft.com/office/drawing/2012/chart" uri="{02D57815-91ED-43cb-92C2-25804820EDAC}">
                         <c15:formulaRef>
                           <c15:sqref>Tabelle1!$A$2:$A$22</c15:sqref>
@@ -4421,7 +4421,7 @@
                 </c:cat>
                 <c:val>
                   <c:numRef>
-                    <c:extLst>
+                    <c:extLst xmlns:c15="http://schemas.microsoft.com/office/drawing/2012/chart">
                       <c:ext xmlns:c15="http://schemas.microsoft.com/office/drawing/2012/chart" uri="{02D57815-91ED-43cb-92C2-25804820EDAC}">
                         <c15:formulaRef>
                           <c15:sqref>Tabelle1!$H$2:$H$22</c15:sqref>
@@ -4506,7 +4506,7 @@
                 <c:order val="8"/>
                 <c:tx>
                   <c:strRef>
-                    <c:extLst>
+                    <c:extLst xmlns:c15="http://schemas.microsoft.com/office/drawing/2012/chart">
                       <c:ext xmlns:c15="http://schemas.microsoft.com/office/drawing/2012/chart" uri="{02D57815-91ED-43cb-92C2-25804820EDAC}">
                         <c15:formulaRef>
                           <c15:sqref>Tabelle1!$J$1</c15:sqref>
@@ -4537,7 +4537,7 @@
                 </c:marker>
                 <c:cat>
                   <c:numRef>
-                    <c:extLst>
+                    <c:extLst xmlns:c15="http://schemas.microsoft.com/office/drawing/2012/chart">
                       <c:ext xmlns:c15="http://schemas.microsoft.com/office/drawing/2012/chart" uri="{02D57815-91ED-43cb-92C2-25804820EDAC}">
                         <c15:formulaRef>
                           <c15:sqref>Tabelle1!$A$2:$A$22</c15:sqref>
@@ -4615,7 +4615,7 @@
                 </c:cat>
                 <c:val>
                   <c:numRef>
-                    <c:extLst>
+                    <c:extLst xmlns:c15="http://schemas.microsoft.com/office/drawing/2012/chart">
                       <c:ext xmlns:c15="http://schemas.microsoft.com/office/drawing/2012/chart" uri="{02D57815-91ED-43cb-92C2-25804820EDAC}">
                         <c15:formulaRef>
                           <c15:sqref>Tabelle1!$J$2:$J$22</c15:sqref>
@@ -4698,7 +4698,7 @@
         </c:extLst>
       </c:lineChart>
       <c:catAx>
-        <c:axId val="1173856608"/>
+        <c:axId val="-1407778176"/>
         <c:scaling>
           <c:orientation val="minMax"/>
         </c:scaling>
@@ -4738,7 +4738,7 @@
             <a:endParaRPr lang="de-DE"/>
           </a:p>
         </c:txPr>
-        <c:crossAx val="1173853344"/>
+        <c:crossAx val="-1407772192"/>
         <c:crosses val="autoZero"/>
         <c:auto val="1"/>
         <c:lblAlgn val="ctr"/>
@@ -4746,7 +4746,7 @@
         <c:noMultiLvlLbl val="0"/>
       </c:catAx>
       <c:valAx>
-        <c:axId val="1173853344"/>
+        <c:axId val="-1407772192"/>
         <c:scaling>
           <c:orientation val="minMax"/>
         </c:scaling>
@@ -4794,7 +4794,7 @@
             <a:endParaRPr lang="de-DE"/>
           </a:p>
         </c:txPr>
-        <c:crossAx val="1173856608"/>
+        <c:crossAx val="-1407778176"/>
         <c:crosses val="autoZero"/>
         <c:crossBetween val="between"/>
       </c:valAx>
@@ -36377,7 +36377,7 @@
           <a:p>
             <a:fld id="{FF0FF5E4-467D-4B37-BDA2-3457231B58ED}" type="datetimeFigureOut">
               <a:rPr lang="de-DE" smtClean="0"/>
-              <a:t>27.05.2014</a:t>
+              <a:t>28.05.2014</a:t>
             </a:fld>
             <a:endParaRPr lang="de-DE"/>
           </a:p>
@@ -36828,7 +36828,7 @@
           <a:p>
             <a:fld id="{4AAD347D-5ACD-4C99-B74B-A9C85AD731AF}" type="datetimeFigureOut">
               <a:rPr lang="en-US"/>
-              <a:t>5/27/2014</a:t>
+              <a:t>5/28/2014</a:t>
             </a:fld>
             <a:endParaRPr lang="en-US"/>
           </a:p>
@@ -37105,7 +37105,7 @@
           <a:p>
             <a:fld id="{4509A250-FF31-4206-8172-F9D3106AACB1}" type="datetimeFigureOut">
               <a:rPr lang="en-US"/>
-              <a:t>5/27/2014</a:t>
+              <a:t>5/28/2014</a:t>
             </a:fld>
             <a:endParaRPr lang="en-US"/>
           </a:p>
@@ -37294,7 +37294,7 @@
           <a:p>
             <a:fld id="{4509A250-FF31-4206-8172-F9D3106AACB1}" type="datetimeFigureOut">
               <a:rPr lang="en-US"/>
-              <a:t>5/27/2014</a:t>
+              <a:t>5/28/2014</a:t>
             </a:fld>
             <a:endParaRPr lang="en-US"/>
           </a:p>
@@ -37557,7 +37557,7 @@
           <a:p>
             <a:fld id="{4509A250-FF31-4206-8172-F9D3106AACB1}" type="datetimeFigureOut">
               <a:rPr lang="en-US"/>
-              <a:t>5/27/2014</a:t>
+              <a:t>5/28/2014</a:t>
             </a:fld>
             <a:endParaRPr lang="en-US"/>
           </a:p>
@@ -37884,7 +37884,7 @@
           <a:p>
             <a:fld id="{4509A250-FF31-4206-8172-F9D3106AACB1}" type="datetimeFigureOut">
               <a:rPr lang="en-US"/>
-              <a:t>5/27/2014</a:t>
+              <a:t>5/28/2014</a:t>
             </a:fld>
             <a:endParaRPr lang="en-US"/>
           </a:p>
@@ -38489,7 +38489,7 @@
           <a:p>
             <a:fld id="{4509A250-FF31-4206-8172-F9D3106AACB1}" type="datetimeFigureOut">
               <a:rPr lang="en-US"/>
-              <a:t>5/27/2014</a:t>
+              <a:t>5/28/2014</a:t>
             </a:fld>
             <a:endParaRPr lang="en-US"/>
           </a:p>
@@ -39331,7 +39331,7 @@
           <a:p>
             <a:fld id="{4509A250-FF31-4206-8172-F9D3106AACB1}" type="datetimeFigureOut">
               <a:rPr lang="en-US"/>
-              <a:t>5/27/2014</a:t>
+              <a:t>5/28/2014</a:t>
             </a:fld>
             <a:endParaRPr lang="en-US"/>
           </a:p>
@@ -39496,7 +39496,7 @@
           <a:p>
             <a:fld id="{4509A250-FF31-4206-8172-F9D3106AACB1}" type="datetimeFigureOut">
               <a:rPr lang="en-US"/>
-              <a:t>5/27/2014</a:t>
+              <a:t>5/28/2014</a:t>
             </a:fld>
             <a:endParaRPr lang="en-US"/>
           </a:p>
@@ -39671,7 +39671,7 @@
           <a:p>
             <a:fld id="{4509A250-FF31-4206-8172-F9D3106AACB1}" type="datetimeFigureOut">
               <a:rPr lang="en-US"/>
-              <a:t>5/27/2014</a:t>
+              <a:t>5/28/2014</a:t>
             </a:fld>
             <a:endParaRPr lang="en-US"/>
           </a:p>
@@ -39841,7 +39841,7 @@
           <a:p>
             <a:fld id="{4509A250-FF31-4206-8172-F9D3106AACB1}" type="datetimeFigureOut">
               <a:rPr lang="en-US"/>
-              <a:t>5/27/2014</a:t>
+              <a:t>5/28/2014</a:t>
             </a:fld>
             <a:endParaRPr lang="en-US"/>
           </a:p>
@@ -40087,7 +40087,7 @@
           <a:p>
             <a:fld id="{4509A250-FF31-4206-8172-F9D3106AACB1}" type="datetimeFigureOut">
               <a:rPr lang="en-US"/>
-              <a:t>5/27/2014</a:t>
+              <a:t>5/28/2014</a:t>
             </a:fld>
             <a:endParaRPr lang="en-US"/>
           </a:p>
@@ -40379,7 +40379,7 @@
           <a:p>
             <a:fld id="{4509A250-FF31-4206-8172-F9D3106AACB1}" type="datetimeFigureOut">
               <a:rPr lang="en-US"/>
-              <a:t>5/27/2014</a:t>
+              <a:t>5/28/2014</a:t>
             </a:fld>
             <a:endParaRPr lang="en-US"/>
           </a:p>
@@ -40824,7 +40824,7 @@
           <a:p>
             <a:fld id="{4509A250-FF31-4206-8172-F9D3106AACB1}" type="datetimeFigureOut">
               <a:rPr lang="en-US"/>
-              <a:t>5/27/2014</a:t>
+              <a:t>5/28/2014</a:t>
             </a:fld>
             <a:endParaRPr lang="en-US"/>
           </a:p>
@@ -40944,7 +40944,7 @@
           <a:p>
             <a:fld id="{4509A250-FF31-4206-8172-F9D3106AACB1}" type="datetimeFigureOut">
               <a:rPr lang="en-US"/>
-              <a:t>5/27/2014</a:t>
+              <a:t>5/28/2014</a:t>
             </a:fld>
             <a:endParaRPr lang="en-US"/>
           </a:p>
@@ -41034,7 +41034,7 @@
           <a:p>
             <a:fld id="{4509A250-FF31-4206-8172-F9D3106AACB1}" type="datetimeFigureOut">
               <a:rPr lang="en-US"/>
-              <a:t>5/27/2014</a:t>
+              <a:t>5/28/2014</a:t>
             </a:fld>
             <a:endParaRPr lang="en-US"/>
           </a:p>
@@ -41308,7 +41308,7 @@
           <a:p>
             <a:fld id="{4509A250-FF31-4206-8172-F9D3106AACB1}" type="datetimeFigureOut">
               <a:rPr lang="en-US"/>
-              <a:t>5/27/2014</a:t>
+              <a:t>5/28/2014</a:t>
             </a:fld>
             <a:endParaRPr lang="en-US"/>
           </a:p>
@@ -41578,7 +41578,7 @@
           <a:p>
             <a:fld id="{4509A250-FF31-4206-8172-F9D3106AACB1}" type="datetimeFigureOut">
               <a:rPr lang="en-US"/>
-              <a:t>5/27/2014</a:t>
+              <a:t>5/28/2014</a:t>
             </a:fld>
             <a:endParaRPr lang="en-US"/>
           </a:p>
@@ -41966,7 +41966,7 @@
           <a:p>
             <a:fld id="{4509A250-FF31-4206-8172-F9D3106AACB1}" type="datetimeFigureOut">
               <a:rPr lang="en-US"/>
-              <a:t>5/27/2014</a:t>
+              <a:t>5/28/2014</a:t>
             </a:fld>
             <a:endParaRPr lang="en-US"/>
           </a:p>
@@ -42670,15 +42670,7 @@
             <a:pPr algn="ctr"/>
             <a:r>
               <a:rPr lang="de-DE" sz="2000" cap="all" smtClean="0"/>
-              <a:t>- </a:t>
-            </a:r>
-            <a:r>
-              <a:rPr lang="de-DE" sz="2000" cap="all" smtClean="0"/>
-              <a:t>27.05.2014 </a:t>
-            </a:r>
-            <a:r>
-              <a:rPr lang="de-DE" sz="2000" cap="all" smtClean="0"/>
-              <a:t>-</a:t>
+              <a:t>- 27.05.2014 -</a:t>
             </a:r>
             <a:endParaRPr lang="de-DE" sz="2000" cap="all"/>
           </a:p>
@@ -44605,11 +44597,7 @@
             </a:r>
             <a:r>
               <a:rPr lang="de-DE"/>
-              <a:t>this </a:t>
-            </a:r>
-            <a:r>
-              <a:rPr lang="de-DE"/>
-              <a:t>project</a:t>
+              <a:t>this project</a:t>
             </a:r>
             <a:r>
               <a:rPr lang="de-DE" smtClean="0"/>
@@ -44979,11 +44967,7 @@
             <a:pPr marL="342900" lvl="2" indent="-342900"/>
             <a:r>
               <a:rPr lang="de-DE" sz="2000" smtClean="0"/>
-              <a:t>Requirements </a:t>
-            </a:r>
-            <a:r>
-              <a:rPr lang="de-DE" sz="2000" smtClean="0"/>
-              <a:t>for project:</a:t>
+              <a:t>Requirements for project:</a:t>
             </a:r>
           </a:p>
           <a:p>
@@ -46544,11 +46528,7 @@
             </a:r>
             <a:r>
               <a:rPr lang="de-DE"/>
-              <a:t> Naïve </a:t>
-            </a:r>
-            <a:r>
-              <a:rPr lang="de-DE"/>
-              <a:t>Bayes </a:t>
+              <a:t> Naïve Bayes </a:t>
             </a:r>
             <a:r>
               <a:rPr lang="de-DE" smtClean="0"/>
@@ -46710,55 +46690,7 @@
                   </a:outerShdw>
                 </a:effectLst>
               </a:rPr>
-              <a:t>keep only features </a:t>
-            </a:r>
-            <a:r>
-              <a:rPr lang="de-DE" sz="1600" smtClean="0">
-                <a:ln w="0"/>
-                <a:solidFill>
-                  <a:schemeClr val="accent1"/>
-                </a:solidFill>
-                <a:effectLst>
-                  <a:outerShdw blurRad="38100" dist="25400" dir="5400000" algn="ctr" rotWithShape="0">
-                    <a:srgbClr val="6E747A">
-                      <a:alpha val="43000"/>
-                    </a:srgbClr>
-                  </a:outerShdw>
-                </a:effectLst>
-              </a:rPr>
-              <a:t>(„words</a:t>
-            </a:r>
-            <a:r>
-              <a:rPr lang="de-DE" sz="1600" smtClean="0">
-                <a:ln w="0"/>
-                <a:solidFill>
-                  <a:schemeClr val="accent1"/>
-                </a:solidFill>
-                <a:effectLst>
-                  <a:outerShdw blurRad="38100" dist="25400" dir="5400000" algn="ctr" rotWithShape="0">
-                    <a:srgbClr val="6E747A">
-                      <a:alpha val="43000"/>
-                    </a:srgbClr>
-                  </a:outerShdw>
-                </a:effectLst>
-              </a:rPr>
-              <a:t>“) with high </a:t>
-            </a:r>
-            <a:r>
-              <a:rPr lang="de-DE" sz="1600" smtClean="0">
-                <a:ln w="0"/>
-                <a:solidFill>
-                  <a:schemeClr val="accent1"/>
-                </a:solidFill>
-                <a:effectLst>
-                  <a:outerShdw blurRad="38100" dist="25400" dir="5400000" algn="ctr" rotWithShape="0">
-                    <a:srgbClr val="6E747A">
-                      <a:alpha val="43000"/>
-                    </a:srgbClr>
-                  </a:outerShdw>
-                </a:effectLst>
-              </a:rPr>
-              <a:t>„mutual information“</a:t>
+              <a:t>keep only features („words“) with high „mutual information“</a:t>
             </a:r>
             <a:endParaRPr lang="de-DE" sz="1400" smtClean="0">
               <a:ln w="0"/>
@@ -47049,11 +46981,7 @@
             </a:r>
             <a:r>
               <a:rPr lang="de-DE" sz="1600" b="1" smtClean="0"/>
-              <a:t> </a:t>
-            </a:r>
-            <a:r>
-              <a:rPr lang="de-DE" sz="1600" b="1" smtClean="0"/>
-              <a:t>150</a:t>
+              <a:t> 150</a:t>
             </a:r>
           </a:p>
           <a:p>
@@ -47070,11 +46998,7 @@
             <a:pPr lvl="1"/>
             <a:r>
               <a:rPr lang="de-DE"/>
-              <a:t>Total number of distinct words</a:t>
-            </a:r>
-            <a:r>
-              <a:rPr lang="de-DE"/>
-              <a:t>: </a:t>
+              <a:t>Total number of distinct words: </a:t>
             </a:r>
             <a:r>
               <a:rPr lang="de-DE" smtClean="0"/>
@@ -47461,11 +47385,7 @@
             <a:pPr lvl="1"/>
             <a:r>
               <a:rPr lang="de-DE"/>
-              <a:t>Total number of distinct words</a:t>
-            </a:r>
-            <a:r>
-              <a:rPr lang="de-DE"/>
-              <a:t>: </a:t>
+              <a:t>Total number of distinct words: </a:t>
             </a:r>
             <a:r>
               <a:rPr lang="de-DE" smtClean="0"/>
@@ -47720,11 +47640,7 @@
             </a:pPr>
             <a:r>
               <a:rPr lang="de-DE" b="1" smtClean="0"/>
-              <a:t>Train </a:t>
-            </a:r>
-            <a:r>
-              <a:rPr lang="de-DE" b="1" smtClean="0"/>
-              <a:t>and test</a:t>
+              <a:t>Train and test</a:t>
             </a:r>
             <a:r>
               <a:rPr lang="de-DE" smtClean="0"/>
@@ -47759,7 +47675,6 @@
               <a:rPr lang="de-DE" b="1" smtClean="0"/>
               <a:t>Conclusions</a:t>
             </a:r>
-            <a:endParaRPr lang="de-DE" b="1" smtClean="0"/>
           </a:p>
         </p:txBody>
       </p:sp>
@@ -48081,27 +47996,7 @@
           <a:p>
             <a:r>
               <a:rPr lang="de-DE" smtClean="0"/>
-              <a:t>Stemming not perfect </a:t>
-            </a:r>
-            <a:r>
-              <a:rPr lang="de-DE" smtClean="0"/>
-              <a:t>(</a:t>
-            </a:r>
-            <a:r>
-              <a:rPr lang="de-DE" smtClean="0"/>
-              <a:t>➔</a:t>
-            </a:r>
-            <a:r>
-              <a:rPr lang="de-DE" smtClean="0"/>
-              <a:t> </a:t>
-            </a:r>
-            <a:r>
-              <a:rPr lang="de-DE" smtClean="0"/>
-              <a:t>better: dictionary-based</a:t>
-            </a:r>
-            <a:r>
-              <a:rPr lang="de-DE" smtClean="0"/>
-              <a:t>)</a:t>
+              <a:t>Stemming not perfect (➔ better: dictionary-based)</a:t>
             </a:r>
             <a:r>
               <a:rPr lang="de-DE"/>
@@ -48210,7 +48105,9 @@
         </p:nvSpPr>
         <p:spPr/>
         <p:txBody>
-          <a:bodyPr/>
+          <a:bodyPr>
+            <a:normAutofit lnSpcReduction="10000"/>
+          </a:bodyPr>
           <a:lstStyle/>
           <a:p>
             <a:r>
@@ -48299,11 +48196,7 @@
           <a:p>
             <a:r>
               <a:rPr lang="en-US" b="1"/>
-              <a:t>Text classification </a:t>
-            </a:r>
-            <a:r>
-              <a:rPr lang="en-US" b="1"/>
-              <a:t>and Naïve </a:t>
+              <a:t>Text classification and Naïve </a:t>
             </a:r>
             <a:r>
               <a:rPr lang="en-US" b="1" smtClean="0"/>
@@ -48541,6 +48434,162 @@
                 <a:hlinkClick r:id="rId2"/>
               </a:rPr>
               <a:t>nlp.stanford.edu/IR-book/pdf/13bayes.pdf</a:t>
+            </a:r>
+            <a:endParaRPr lang="de-DE" sz="1600" smtClean="0">
+              <a:ln w="0"/>
+              <a:solidFill>
+                <a:schemeClr val="accent1"/>
+              </a:solidFill>
+              <a:effectLst>
+                <a:outerShdw blurRad="38100" dist="25400" dir="5400000" algn="ctr" rotWithShape="0">
+                  <a:srgbClr val="6E747A">
+                    <a:alpha val="43000"/>
+                  </a:srgbClr>
+                </a:outerShdw>
+              </a:effectLst>
+            </a:endParaRPr>
+          </a:p>
+          <a:p>
+            <a:r>
+              <a:rPr lang="de-DE" b="1" smtClean="0">
+                <a:ln w="0"/>
+                <a:effectLst>
+                  <a:outerShdw blurRad="38100" dist="25400" dir="5400000" algn="ctr" rotWithShape="0">
+                    <a:srgbClr val="6E747A">
+                      <a:alpha val="43000"/>
+                    </a:srgbClr>
+                  </a:outerShdw>
+                </a:effectLst>
+              </a:rPr>
+              <a:t>Snowball-Stemmer and stop-word lists</a:t>
+            </a:r>
+            <a:r>
+              <a:rPr lang="de-DE" smtClean="0">
+                <a:ln w="0"/>
+                <a:solidFill>
+                  <a:schemeClr val="accent1"/>
+                </a:solidFill>
+                <a:effectLst>
+                  <a:outerShdw blurRad="38100" dist="25400" dir="5400000" algn="ctr" rotWithShape="0">
+                    <a:srgbClr val="6E747A">
+                      <a:alpha val="43000"/>
+                    </a:srgbClr>
+                  </a:outerShdw>
+                </a:effectLst>
+              </a:rPr>
+              <a:t/>
+            </a:r>
+            <a:br>
+              <a:rPr lang="de-DE" smtClean="0">
+                <a:ln w="0"/>
+                <a:solidFill>
+                  <a:schemeClr val="accent1"/>
+                </a:solidFill>
+                <a:effectLst>
+                  <a:outerShdw blurRad="38100" dist="25400" dir="5400000" algn="ctr" rotWithShape="0">
+                    <a:srgbClr val="6E747A">
+                      <a:alpha val="43000"/>
+                    </a:srgbClr>
+                  </a:outerShdw>
+                </a:effectLst>
+              </a:rPr>
+            </a:br>
+            <a:r>
+              <a:rPr lang="de-DE" sz="1600" smtClean="0">
+                <a:ln w="0"/>
+                <a:solidFill>
+                  <a:schemeClr val="accent1"/>
+                </a:solidFill>
+                <a:effectLst>
+                  <a:outerShdw blurRad="38100" dist="25400" dir="5400000" algn="ctr" rotWithShape="0">
+                    <a:srgbClr val="6E747A">
+                      <a:alpha val="43000"/>
+                    </a:srgbClr>
+                  </a:outerShdw>
+                </a:effectLst>
+              </a:rPr>
+              <a:t>OpenSource library mainly by Martin </a:t>
+            </a:r>
+            <a:r>
+              <a:rPr lang="de-DE" sz="1600">
+                <a:ln w="0"/>
+                <a:solidFill>
+                  <a:schemeClr val="accent1"/>
+                </a:solidFill>
+                <a:effectLst>
+                  <a:outerShdw blurRad="38100" dist="25400" dir="5400000" algn="ctr" rotWithShape="0">
+                    <a:srgbClr val="6E747A">
+                      <a:alpha val="43000"/>
+                    </a:srgbClr>
+                  </a:outerShdw>
+                </a:effectLst>
+              </a:rPr>
+              <a:t>Porter and Richard Boulton</a:t>
+            </a:r>
+            <a:br>
+              <a:rPr lang="de-DE" sz="1600">
+                <a:ln w="0"/>
+                <a:solidFill>
+                  <a:schemeClr val="accent1"/>
+                </a:solidFill>
+                <a:effectLst>
+                  <a:outerShdw blurRad="38100" dist="25400" dir="5400000" algn="ctr" rotWithShape="0">
+                    <a:srgbClr val="6E747A">
+                      <a:alpha val="43000"/>
+                    </a:srgbClr>
+                  </a:outerShdw>
+                </a:effectLst>
+              </a:rPr>
+            </a:br>
+            <a:r>
+              <a:rPr lang="de-DE" sz="1600">
+                <a:ln w="0"/>
+                <a:solidFill>
+                  <a:schemeClr val="accent1"/>
+                </a:solidFill>
+                <a:effectLst>
+                  <a:outerShdw blurRad="38100" dist="25400" dir="5400000" algn="ctr" rotWithShape="0">
+                    <a:srgbClr val="6E747A">
+                      <a:alpha val="43000"/>
+                    </a:srgbClr>
+                  </a:outerShdw>
+                </a:effectLst>
+              </a:rPr>
+              <a:t>Download: </a:t>
+            </a:r>
+            <a:r>
+              <a:rPr lang="de-DE" sz="1600">
+                <a:ln w="0"/>
+                <a:solidFill>
+                  <a:schemeClr val="accent1"/>
+                </a:solidFill>
+                <a:effectLst>
+                  <a:outerShdw blurRad="38100" dist="25400" dir="5400000" algn="ctr" rotWithShape="0">
+                    <a:srgbClr val="6E747A">
+                      <a:alpha val="43000"/>
+                    </a:srgbClr>
+                  </a:outerShdw>
+                </a:effectLst>
+                <a:hlinkClick r:id="rId3"/>
+              </a:rPr>
+              <a:t>http://</a:t>
+            </a:r>
+            <a:r>
+              <a:rPr lang="de-DE" sz="1600" smtClean="0">
+                <a:ln w="0"/>
+                <a:solidFill>
+                  <a:schemeClr val="accent1"/>
+                </a:solidFill>
+                <a:effectLst>
+                  <a:outerShdw blurRad="38100" dist="25400" dir="5400000" algn="ctr" rotWithShape="0">
+                    <a:srgbClr val="6E747A">
+                      <a:alpha val="43000"/>
+                    </a:srgbClr>
+                  </a:outerShdw>
+                </a:effectLst>
+                <a:hlinkClick r:id="rId3"/>
+              </a:rPr>
+              <a:t>snowball.tartarus.org</a:t>
             </a:r>
             <a:endParaRPr lang="de-DE" sz="1600" smtClean="0">
               <a:ln w="0"/>
@@ -48724,11 +48773,7 @@
             </a:r>
             <a:r>
               <a:rPr lang="de-DE" b="1"/>
-              <a:t>text </a:t>
-            </a:r>
-            <a:r>
-              <a:rPr lang="de-DE" b="1"/>
-              <a:t>classification</a:t>
+              <a:t>text classification</a:t>
             </a:r>
             <a:r>
               <a:rPr lang="de-DE" smtClean="0"/>
@@ -48967,11 +49012,7 @@
             </a:r>
             <a:r>
               <a:rPr lang="de-DE" b="1"/>
-              <a:t>general </a:t>
-            </a:r>
-            <a:r>
-              <a:rPr lang="de-DE" b="1"/>
-              <a:t>approach</a:t>
+              <a:t>general approach</a:t>
             </a:r>
             <a:r>
               <a:rPr lang="de-DE" smtClean="0"/>
